--- a/151009ベクトルタイル利用サイトを作ろうPt.3.pptx
+++ b/151009ベクトルタイル利用サイトを作ろうPt.3.pptx
@@ -5882,29 +5882,23 @@
               <a:t>　</a:t>
             </a:r>
             <a:r>
-              <a:rPr lang="en-US" altLang="ja-JP" sz="2800" dirty="0"/>
-              <a:t>https://</a:t>
-            </a:r>
-            <a:r>
-              <a:rPr lang="en-US" altLang="ja-JP" sz="2800" dirty="0" err="1"/>
-              <a:t>gbank.gsj.jp</a:t>
-            </a:r>
-            <a:r>
-              <a:rPr lang="en-US" altLang="ja-JP" sz="2800" dirty="0"/>
-              <a:t>/seamless/</a:t>
-            </a:r>
-            <a:r>
-              <a:rPr lang="en-US" altLang="ja-JP" sz="2800" dirty="0" err="1"/>
-              <a:t>wmts</a:t>
-            </a:r>
-            <a:r>
-              <a:rPr lang="en-US" altLang="ja-JP" sz="2800" dirty="0"/>
-              <a:t>/</a:t>
-            </a:r>
-            <a:r>
-              <a:rPr lang="en-US" altLang="ja-JP" sz="2800" dirty="0" err="1"/>
+              <a:rPr lang="en-US" altLang="ja-JP" sz="2800" dirty="0">
+                <a:hlinkClick r:id="rId2"/>
+              </a:rPr>
+              <a:t>https://gbank.gsj.jp/seamless/wmts/</a:t>
+            </a:r>
+            <a:r>
+              <a:rPr lang="en-US" altLang="ja-JP" sz="2800" dirty="0" smtClean="0">
+                <a:hlinkClick r:id="rId2"/>
+              </a:rPr>
               <a:t>wmts.html</a:t>
             </a:r>
+            <a:endParaRPr lang="en-US" altLang="ja-JP" sz="2800" dirty="0" smtClean="0"/>
+          </a:p>
+          <a:p>
+            <a:pPr marL="0" indent="0">
+              <a:buNone/>
+            </a:pPr>
             <a:endParaRPr kumimoji="1" lang="en-US" altLang="ja-JP" sz="2800" dirty="0" smtClean="0"/>
           </a:p>
           <a:p>
@@ -5924,13 +5918,13 @@
             </a:pPr>
             <a:r>
               <a:rPr lang="en-US" altLang="ja-JP" dirty="0">
-                <a:hlinkClick r:id="rId2"/>
+                <a:hlinkClick r:id="rId3"/>
               </a:rPr>
               <a:t>https://github.com/foss4g-tokyo-vt/living-room/edit/master/</a:t>
             </a:r>
             <a:r>
               <a:rPr lang="en-US" altLang="ja-JP" dirty="0" smtClean="0">
-                <a:hlinkClick r:id="rId2"/>
+                <a:hlinkClick r:id="rId3"/>
               </a:rPr>
               <a:t>links.md</a:t>
             </a:r>
@@ -5972,6 +5966,68 @@
               <a:t>11</a:t>
             </a:fld>
             <a:endParaRPr lang="en-US" altLang="ja-JP"/>
+          </a:p>
+        </p:txBody>
+      </p:sp>
+      <p:sp>
+        <p:nvSpPr>
+          <p:cNvPr id="5" name="テキスト ボックス 4"/>
+          <p:cNvSpPr txBox="1"/>
+          <p:nvPr/>
+        </p:nvSpPr>
+        <p:spPr>
+          <a:xfrm>
+            <a:off x="683568" y="5229200"/>
+            <a:ext cx="4562267" cy="954107"/>
+          </a:xfrm>
+          <a:prstGeom prst="rect">
+            <a:avLst/>
+          </a:prstGeom>
+          <a:noFill/>
+          <a:ln>
+            <a:solidFill>
+              <a:schemeClr val="tx1"/>
+            </a:solidFill>
+          </a:ln>
+        </p:spPr>
+        <p:txBody>
+          <a:bodyPr wrap="none" rtlCol="0">
+            <a:spAutoFit/>
+          </a:bodyPr>
+          <a:lstStyle/>
+          <a:p>
+            <a:r>
+              <a:rPr kumimoji="1" lang="ja-JP" altLang="en-US" sz="2800" dirty="0" smtClean="0"/>
+              <a:t>ヒント：</a:t>
+            </a:r>
+            <a:r>
+              <a:rPr kumimoji="1" lang="en-US" altLang="ja-JP" sz="2800" dirty="0" smtClean="0"/>
+              <a:t> JSON </a:t>
+            </a:r>
+            <a:r>
+              <a:rPr kumimoji="1" lang="ja-JP" altLang="en-US" sz="2800" dirty="0" smtClean="0"/>
+              <a:t>の文法チェック</a:t>
+            </a:r>
+            <a:endParaRPr kumimoji="1" lang="en-US" altLang="ja-JP" sz="2800" dirty="0" smtClean="0"/>
+          </a:p>
+          <a:p>
+            <a:r>
+              <a:rPr lang="en-US" altLang="ja-JP" sz="2800" dirty="0">
+                <a:hlinkClick r:id="rId4"/>
+              </a:rPr>
+              <a:t>http://</a:t>
+            </a:r>
+            <a:r>
+              <a:rPr lang="en-US" altLang="ja-JP" sz="2800" dirty="0" smtClean="0">
+                <a:hlinkClick r:id="rId4"/>
+              </a:rPr>
+              <a:t>jsonlint.com</a:t>
+            </a:r>
+            <a:r>
+              <a:rPr lang="en-US" altLang="ja-JP" sz="2800" dirty="0" smtClean="0"/>
+              <a:t> </a:t>
+            </a:r>
+            <a:endParaRPr kumimoji="1" lang="ja-JP" altLang="en-US" sz="2800" dirty="0"/>
           </a:p>
         </p:txBody>
       </p:sp>
@@ -6073,23 +6129,7 @@
             </a:r>
             <a:r>
               <a:rPr lang="ja-JP" altLang="en-US" dirty="0" smtClean="0"/>
-              <a:t>して</a:t>
-            </a:r>
-            <a:r>
-              <a:rPr lang="ja-JP" altLang="en-US" dirty="0" smtClean="0"/>
-              <a:t>、</a:t>
-            </a:r>
-            <a:r>
-              <a:rPr lang="ja-JP" altLang="en-US" dirty="0" smtClean="0"/>
-              <a:t>マイ地理院地図</a:t>
-            </a:r>
-            <a:r>
-              <a:rPr lang="ja-JP" altLang="en-US" dirty="0" smtClean="0"/>
-              <a:t>を</a:t>
-            </a:r>
-            <a:r>
-              <a:rPr lang="ja-JP" altLang="en-US" dirty="0" smtClean="0"/>
-              <a:t>作る</a:t>
+              <a:t>して、マイ地理院地図を作る</a:t>
             </a:r>
             <a:endParaRPr lang="en-US" altLang="ja-JP" dirty="0" smtClean="0"/>
           </a:p>
@@ -6104,23 +6144,7 @@
                   <a:srgbClr val="FF0000"/>
                 </a:solidFill>
               </a:rPr>
-              <a:t>マイ地理院地図</a:t>
-            </a:r>
-            <a:r>
-              <a:rPr lang="ja-JP" altLang="en-US" dirty="0" smtClean="0">
-                <a:solidFill>
-                  <a:srgbClr val="FF0000"/>
-                </a:solidFill>
-              </a:rPr>
-              <a:t>に</a:t>
-            </a:r>
-            <a:r>
-              <a:rPr lang="ja-JP" altLang="en-US" dirty="0" smtClean="0">
-                <a:solidFill>
-                  <a:srgbClr val="FF0000"/>
-                </a:solidFill>
-              </a:rPr>
-              <a:t>インターネット上のタイルレイヤを加える</a:t>
+              <a:t>マイ地理院地図にインターネット上のタイルレイヤを加える</a:t>
             </a:r>
             <a:endParaRPr lang="en-US" altLang="ja-JP" dirty="0" smtClean="0">
               <a:solidFill>
@@ -6135,15 +6159,7 @@
             </a:pPr>
             <a:r>
               <a:rPr lang="ja-JP" altLang="en-US" dirty="0" smtClean="0"/>
-              <a:t>マイ地理院地図</a:t>
-            </a:r>
-            <a:r>
-              <a:rPr lang="ja-JP" altLang="en-US" dirty="0" smtClean="0"/>
-              <a:t>に</a:t>
-            </a:r>
-            <a:r>
-              <a:rPr lang="ja-JP" altLang="en-US" dirty="0" smtClean="0"/>
-              <a:t>簡単なベクトルデータを加える（ただしベクトルタイルとして）</a:t>
+              <a:t>マイ地理院地図に簡単なベクトルデータを加える（ただしベクトルタイルとして）</a:t>
             </a:r>
             <a:endParaRPr lang="en-US" altLang="ja-JP" dirty="0" smtClean="0"/>
           </a:p>

--- a/151009ベクトルタイル利用サイトを作ろうPt.3.pptx
+++ b/151009ベクトルタイル利用サイトを作ろうPt.3.pptx
@@ -5,10 +5,10 @@
     <p:sldMasterId id="2147483663" r:id="rId1"/>
   </p:sldMasterIdLst>
   <p:notesMasterIdLst>
-    <p:notesMasterId r:id="rId13"/>
+    <p:notesMasterId r:id="rId15"/>
   </p:notesMasterIdLst>
   <p:handoutMasterIdLst>
-    <p:handoutMasterId r:id="rId14"/>
+    <p:handoutMasterId r:id="rId16"/>
   </p:handoutMasterIdLst>
   <p:sldIdLst>
     <p:sldId id="256" r:id="rId2"/>
@@ -21,7 +21,9 @@
     <p:sldId id="265" r:id="rId9"/>
     <p:sldId id="266" r:id="rId10"/>
     <p:sldId id="267" r:id="rId11"/>
-    <p:sldId id="268" r:id="rId12"/>
+    <p:sldId id="270" r:id="rId12"/>
+    <p:sldId id="268" r:id="rId13"/>
+    <p:sldId id="271" r:id="rId14"/>
   </p:sldIdLst>
   <p:sldSz cx="9144000" cy="6858000" type="screen4x3"/>
   <p:notesSz cx="6805613" cy="9939338"/>
@@ -5698,6 +5700,11 @@
           <a:prstGeom prst="rect">
             <a:avLst/>
           </a:prstGeom>
+          <a:ln>
+            <a:solidFill>
+              <a:schemeClr val="tx1"/>
+            </a:solidFill>
+          </a:ln>
         </p:spPr>
       </p:pic>
       <p:pic>
@@ -5722,6 +5729,11 @@
           <a:prstGeom prst="rect">
             <a:avLst/>
           </a:prstGeom>
+          <a:ln>
+            <a:solidFill>
+              <a:schemeClr val="tx1"/>
+            </a:solidFill>
+          </a:ln>
         </p:spPr>
       </p:pic>
       <p:pic>
@@ -5746,8 +5758,86 @@
           <a:prstGeom prst="rect">
             <a:avLst/>
           </a:prstGeom>
+          <a:ln>
+            <a:solidFill>
+              <a:schemeClr val="tx1"/>
+            </a:solidFill>
+          </a:ln>
         </p:spPr>
       </p:pic>
+      <p:sp>
+        <p:nvSpPr>
+          <p:cNvPr id="8" name="テキスト ボックス 7"/>
+          <p:cNvSpPr txBox="1"/>
+          <p:nvPr/>
+        </p:nvSpPr>
+        <p:spPr>
+          <a:xfrm>
+            <a:off x="0" y="6063679"/>
+            <a:ext cx="9144000" cy="461665"/>
+          </a:xfrm>
+          <a:prstGeom prst="rect">
+            <a:avLst/>
+          </a:prstGeom>
+          <a:noFill/>
+        </p:spPr>
+        <p:txBody>
+          <a:bodyPr wrap="square" rtlCol="0">
+            <a:spAutoFit/>
+          </a:bodyPr>
+          <a:lstStyle/>
+          <a:p>
+            <a:pPr algn="ctr"/>
+            <a:r>
+              <a:rPr lang="en-US" altLang="ja-JP" sz="2400" dirty="0" err="1">
+                <a:solidFill>
+                  <a:schemeClr val="bg1">
+                    <a:lumMod val="50000"/>
+                  </a:schemeClr>
+                </a:solidFill>
+              </a:rPr>
+              <a:t>g</a:t>
+            </a:r>
+            <a:r>
+              <a:rPr lang="en-US" altLang="ja-JP" sz="2400" dirty="0" err="1" smtClean="0">
+                <a:solidFill>
+                  <a:schemeClr val="bg1">
+                    <a:lumMod val="50000"/>
+                  </a:schemeClr>
+                </a:solidFill>
+              </a:rPr>
+              <a:t>simaps.js</a:t>
+            </a:r>
+            <a:r>
+              <a:rPr lang="en-US" altLang="ja-JP" sz="2400" dirty="0" smtClean="0">
+                <a:solidFill>
+                  <a:schemeClr val="bg1">
+                    <a:lumMod val="50000"/>
+                  </a:schemeClr>
+                </a:solidFill>
+              </a:rPr>
+              <a:t> </a:t>
+            </a:r>
+            <a:r>
+              <a:rPr lang="ja-JP" altLang="en-US" sz="2400" dirty="0" smtClean="0">
+                <a:solidFill>
+                  <a:schemeClr val="bg1">
+                    <a:lumMod val="50000"/>
+                  </a:schemeClr>
+                </a:solidFill>
+              </a:rPr>
+              <a:t>への加筆で皆さんのマイレイヤを一元化することもできる</a:t>
+            </a:r>
+            <a:endParaRPr kumimoji="1" lang="ja-JP" altLang="en-US" sz="2400" dirty="0">
+              <a:solidFill>
+                <a:schemeClr val="bg1">
+                  <a:lumMod val="50000"/>
+                </a:schemeClr>
+              </a:solidFill>
+            </a:endParaRPr>
+          </a:p>
+        </p:txBody>
+      </p:sp>
     </p:spTree>
     <p:extLst>
       <p:ext uri="{BB962C8B-B14F-4D97-AF65-F5344CB8AC3E}">
@@ -5758,6 +5848,13 @@
   <p:clrMapOvr>
     <a:masterClrMapping/>
   </p:clrMapOvr>
+  <p:timing>
+    <p:tnLst>
+      <p:par>
+        <p:cTn xmlns:p14="http://schemas.microsoft.com/office/powerpoint/2010/main" id="1" dur="indefinite" restart="never" nodeType="tmRoot"/>
+      </p:par>
+    </p:tnLst>
+  </p:timing>
 </p:sld>
 </file>
 
@@ -5780,6 +5877,328 @@
       </p:grpSpPr>
       <p:sp>
         <p:nvSpPr>
+          <p:cNvPr id="5" name="タイトル 4"/>
+          <p:cNvSpPr>
+            <a:spLocks noGrp="1"/>
+          </p:cNvSpPr>
+          <p:nvPr>
+            <p:ph type="title"/>
+          </p:nvPr>
+        </p:nvSpPr>
+        <p:spPr/>
+        <p:txBody>
+          <a:bodyPr/>
+          <a:lstStyle/>
+          <a:p>
+            <a:r>
+              <a:rPr lang="ja-JP" altLang="en-US" dirty="0" smtClean="0"/>
+              <a:t>ウェブ地図の</a:t>
+            </a:r>
+            <a:r>
+              <a:rPr lang="en-US" altLang="ja-JP" dirty="0" smtClean="0"/>
+              <a:t> f</a:t>
+            </a:r>
+            <a:r>
+              <a:rPr kumimoji="1" lang="en-US" altLang="ja-JP" dirty="0" smtClean="0"/>
+              <a:t>ork</a:t>
+            </a:r>
+            <a:r>
+              <a:rPr kumimoji="1" lang="ja-JP" altLang="en-US" dirty="0" smtClean="0"/>
+              <a:t> </a:t>
+            </a:r>
+            <a:r>
+              <a:rPr kumimoji="1" lang="en-US" altLang="ja-JP" dirty="0" smtClean="0"/>
+              <a:t>and join</a:t>
+            </a:r>
+            <a:endParaRPr kumimoji="1" lang="ja-JP" altLang="en-US" dirty="0"/>
+          </a:p>
+        </p:txBody>
+      </p:sp>
+      <p:sp>
+        <p:nvSpPr>
+          <p:cNvPr id="2" name="スライド番号プレースホルダー 1"/>
+          <p:cNvSpPr>
+            <a:spLocks noGrp="1"/>
+          </p:cNvSpPr>
+          <p:nvPr>
+            <p:ph type="sldNum" sz="quarter" idx="12"/>
+          </p:nvPr>
+        </p:nvSpPr>
+        <p:spPr/>
+        <p:txBody>
+          <a:bodyPr/>
+          <a:lstStyle/>
+          <a:p>
+            <a:pPr>
+              <a:defRPr/>
+            </a:pPr>
+            <a:fld id="{9A6B0FFA-B65F-4343-A76B-69EE1365E557}" type="slidenum">
+              <a:rPr lang="en-US" altLang="ja-JP" smtClean="0"/>
+              <a:pPr>
+                <a:defRPr/>
+              </a:pPr>
+              <a:t>11</a:t>
+            </a:fld>
+            <a:endParaRPr lang="en-US" altLang="ja-JP"/>
+          </a:p>
+        </p:txBody>
+      </p:sp>
+      <p:sp>
+        <p:nvSpPr>
+          <p:cNvPr id="3" name="テキスト ボックス 2"/>
+          <p:cNvSpPr txBox="1"/>
+          <p:nvPr/>
+        </p:nvSpPr>
+        <p:spPr>
+          <a:xfrm>
+            <a:off x="251520" y="764704"/>
+            <a:ext cx="3736920" cy="769441"/>
+          </a:xfrm>
+          <a:prstGeom prst="rect">
+            <a:avLst/>
+          </a:prstGeom>
+          <a:noFill/>
+        </p:spPr>
+        <p:txBody>
+          <a:bodyPr wrap="none" rtlCol="0">
+            <a:spAutoFit/>
+          </a:bodyPr>
+          <a:lstStyle/>
+          <a:p>
+            <a:r>
+              <a:rPr kumimoji="1" lang="en-US" altLang="ja-JP" sz="4400" dirty="0" err="1" smtClean="0">
+                <a:latin typeface="+mn-lt"/>
+                <a:ea typeface="+mn-ea"/>
+                <a:cs typeface="ＤＦＰ太丸ゴシック体"/>
+              </a:rPr>
+              <a:t>GitHub</a:t>
+            </a:r>
+            <a:r>
+              <a:rPr kumimoji="1" lang="en-US" altLang="ja-JP" sz="4400" dirty="0" smtClean="0">
+                <a:latin typeface="+mn-ea"/>
+                <a:ea typeface="+mn-ea"/>
+                <a:cs typeface="ＤＦＰ太丸ゴシック体"/>
+              </a:rPr>
+              <a:t> </a:t>
+            </a:r>
+            <a:r>
+              <a:rPr kumimoji="1" lang="ja-JP" altLang="en-US" sz="4400" dirty="0" smtClean="0">
+                <a:latin typeface="+mn-ea"/>
+                <a:ea typeface="+mn-ea"/>
+                <a:cs typeface="ＤＦＰ太丸ゴシック体"/>
+              </a:rPr>
+              <a:t>で</a:t>
+            </a:r>
+            <a:r>
+              <a:rPr kumimoji="1" lang="en-US" altLang="ja-JP" sz="4400" dirty="0" smtClean="0">
+                <a:latin typeface="+mn-ea"/>
+                <a:ea typeface="+mn-ea"/>
+                <a:cs typeface="ＤＦＰ太丸ゴシック体"/>
+              </a:rPr>
+              <a:t> </a:t>
+            </a:r>
+            <a:r>
+              <a:rPr kumimoji="1" lang="en-US" altLang="ja-JP" sz="4400" dirty="0" smtClean="0">
+                <a:latin typeface="+mn-lt"/>
+                <a:ea typeface="+mn-ea"/>
+                <a:cs typeface="ＤＦＰ太丸ゴシック体"/>
+              </a:rPr>
+              <a:t>fork</a:t>
+            </a:r>
+            <a:endParaRPr kumimoji="1" lang="ja-JP" altLang="en-US" sz="4400" dirty="0">
+              <a:latin typeface="+mn-lt"/>
+              <a:ea typeface="+mn-ea"/>
+              <a:cs typeface="ＤＦＰ太丸ゴシック体"/>
+            </a:endParaRPr>
+          </a:p>
+        </p:txBody>
+      </p:sp>
+      <p:sp>
+        <p:nvSpPr>
+          <p:cNvPr id="4" name="テキスト ボックス 3"/>
+          <p:cNvSpPr txBox="1"/>
+          <p:nvPr/>
+        </p:nvSpPr>
+        <p:spPr>
+          <a:xfrm>
+            <a:off x="4860032" y="764704"/>
+            <a:ext cx="4143282" cy="769441"/>
+          </a:xfrm>
+          <a:prstGeom prst="rect">
+            <a:avLst/>
+          </a:prstGeom>
+          <a:noFill/>
+        </p:spPr>
+        <p:txBody>
+          <a:bodyPr wrap="none" rtlCol="0">
+            <a:spAutoFit/>
+          </a:bodyPr>
+          <a:lstStyle/>
+          <a:p>
+            <a:r>
+              <a:rPr lang="en-US" altLang="ja-JP" sz="4400" dirty="0" err="1" smtClean="0"/>
+              <a:t>l</a:t>
+            </a:r>
+            <a:r>
+              <a:rPr kumimoji="1" lang="en-US" altLang="ja-JP" sz="4400" dirty="0" err="1" smtClean="0"/>
+              <a:t>ayers.txt</a:t>
+            </a:r>
+            <a:r>
+              <a:rPr kumimoji="1" lang="en-US" altLang="ja-JP" sz="4400" dirty="0" smtClean="0"/>
+              <a:t> </a:t>
+            </a:r>
+            <a:r>
+              <a:rPr kumimoji="1" lang="ja-JP" altLang="en-US" sz="4400" dirty="0" smtClean="0"/>
+              <a:t>で</a:t>
+            </a:r>
+            <a:r>
+              <a:rPr kumimoji="1" lang="en-US" altLang="ja-JP" sz="4400" dirty="0" smtClean="0"/>
+              <a:t> join</a:t>
+            </a:r>
+            <a:endParaRPr kumimoji="1" lang="ja-JP" altLang="en-US" sz="4400" dirty="0"/>
+          </a:p>
+        </p:txBody>
+      </p:sp>
+      <p:pic>
+        <p:nvPicPr>
+          <p:cNvPr id="6" name="図 5"/>
+          <p:cNvPicPr>
+            <a:picLocks noChangeAspect="1"/>
+          </p:cNvPicPr>
+          <p:nvPr/>
+        </p:nvPicPr>
+        <p:blipFill>
+          <a:blip r:embed="rId2"/>
+          <a:stretch>
+            <a:fillRect/>
+          </a:stretch>
+        </p:blipFill>
+        <p:spPr>
+          <a:xfrm rot="5400000">
+            <a:off x="453746" y="1391075"/>
+            <a:ext cx="3448481" cy="4355976"/>
+          </a:xfrm>
+          <a:prstGeom prst="rect">
+            <a:avLst/>
+          </a:prstGeom>
+        </p:spPr>
+      </p:pic>
+      <p:pic>
+        <p:nvPicPr>
+          <p:cNvPr id="7" name="図 6"/>
+          <p:cNvPicPr>
+            <a:picLocks noChangeAspect="1"/>
+          </p:cNvPicPr>
+          <p:nvPr/>
+        </p:nvPicPr>
+        <p:blipFill>
+          <a:blip r:embed="rId2"/>
+          <a:stretch>
+            <a:fillRect/>
+          </a:stretch>
+        </p:blipFill>
+        <p:spPr>
+          <a:xfrm rot="16200000">
+            <a:off x="5276131" y="1396827"/>
+            <a:ext cx="3450383" cy="4358379"/>
+          </a:xfrm>
+          <a:prstGeom prst="rect">
+            <a:avLst/>
+          </a:prstGeom>
+        </p:spPr>
+      </p:pic>
+      <p:sp>
+        <p:nvSpPr>
+          <p:cNvPr id="8" name="テキスト ボックス 7"/>
+          <p:cNvSpPr txBox="1"/>
+          <p:nvPr/>
+        </p:nvSpPr>
+        <p:spPr>
+          <a:xfrm>
+            <a:off x="0" y="5877272"/>
+            <a:ext cx="9144000" cy="461665"/>
+          </a:xfrm>
+          <a:prstGeom prst="rect">
+            <a:avLst/>
+          </a:prstGeom>
+          <a:noFill/>
+        </p:spPr>
+        <p:txBody>
+          <a:bodyPr wrap="square" rtlCol="0">
+            <a:spAutoFit/>
+          </a:bodyPr>
+          <a:lstStyle/>
+          <a:p>
+            <a:pPr algn="ctr"/>
+            <a:r>
+              <a:rPr lang="ja-JP" altLang="en-US" sz="2400" dirty="0" smtClean="0">
+                <a:solidFill>
+                  <a:schemeClr val="bg1">
+                    <a:lumMod val="50000"/>
+                  </a:schemeClr>
+                </a:solidFill>
+              </a:rPr>
+              <a:t>主体</a:t>
+            </a:r>
+            <a:r>
+              <a:rPr kumimoji="1" lang="ja-JP" altLang="en-US" sz="2400" dirty="0" smtClean="0">
+                <a:solidFill>
+                  <a:schemeClr val="bg1">
+                    <a:lumMod val="50000"/>
+                  </a:schemeClr>
+                </a:solidFill>
+              </a:rPr>
+              <a:t>間の分散非同期を確保し、ユーザの利便を最大化できないか。</a:t>
+            </a:r>
+            <a:endParaRPr kumimoji="1" lang="ja-JP" altLang="en-US" sz="2400" dirty="0">
+              <a:solidFill>
+                <a:schemeClr val="bg1">
+                  <a:lumMod val="50000"/>
+                </a:schemeClr>
+              </a:solidFill>
+            </a:endParaRPr>
+          </a:p>
+        </p:txBody>
+      </p:sp>
+    </p:spTree>
+    <p:extLst>
+      <p:ext uri="{BB962C8B-B14F-4D97-AF65-F5344CB8AC3E}">
+        <p14:creationId xmlns:p14="http://schemas.microsoft.com/office/powerpoint/2010/main" val="1355314303"/>
+      </p:ext>
+    </p:extLst>
+  </p:cSld>
+  <p:clrMapOvr>
+    <a:masterClrMapping/>
+  </p:clrMapOvr>
+  <p:timing>
+    <p:tnLst>
+      <p:par>
+        <p:cTn xmlns:p14="http://schemas.microsoft.com/office/powerpoint/2010/main" id="1" dur="indefinite" restart="never" nodeType="tmRoot"/>
+      </p:par>
+    </p:tnLst>
+  </p:timing>
+</p:sld>
+</file>
+
+<file path=ppt/slides/slide12.xml><?xml version="1.0" encoding="utf-8"?>
+<p:sld xmlns:a="http://schemas.openxmlformats.org/drawingml/2006/main" xmlns:r="http://schemas.openxmlformats.org/officeDocument/2006/relationships" xmlns:p="http://schemas.openxmlformats.org/presentationml/2006/main">
+  <p:cSld>
+    <p:spTree>
+      <p:nvGrpSpPr>
+        <p:cNvPr id="1" name=""/>
+        <p:cNvGrpSpPr/>
+        <p:nvPr/>
+      </p:nvGrpSpPr>
+      <p:grpSpPr>
+        <a:xfrm>
+          <a:off x="0" y="0"/>
+          <a:ext cx="0" cy="0"/>
+          <a:chOff x="0" y="0"/>
+          <a:chExt cx="0" cy="0"/>
+        </a:xfrm>
+      </p:grpSpPr>
+      <p:sp>
+        <p:nvSpPr>
           <p:cNvPr id="2" name="タイトル 1"/>
           <p:cNvSpPr>
             <a:spLocks noGrp="1"/>
@@ -5963,7 +6382,7 @@
               <a:pPr>
                 <a:defRPr/>
               </a:pPr>
-              <a:t>11</a:t>
+              <a:t>12</a:t>
             </a:fld>
             <a:endParaRPr lang="en-US" altLang="ja-JP"/>
           </a:p>
@@ -6041,6 +6460,202 @@
   <p:clrMapOvr>
     <a:masterClrMapping/>
   </p:clrMapOvr>
+  <p:timing>
+    <p:tnLst>
+      <p:par>
+        <p:cTn xmlns:p14="http://schemas.microsoft.com/office/powerpoint/2010/main" id="1" dur="indefinite" restart="never" nodeType="tmRoot"/>
+      </p:par>
+    </p:tnLst>
+  </p:timing>
+</p:sld>
+</file>
+
+<file path=ppt/slides/slide13.xml><?xml version="1.0" encoding="utf-8"?>
+<p:sld xmlns:a="http://schemas.openxmlformats.org/drawingml/2006/main" xmlns:r="http://schemas.openxmlformats.org/officeDocument/2006/relationships" xmlns:p="http://schemas.openxmlformats.org/presentationml/2006/main">
+  <p:cSld>
+    <p:spTree>
+      <p:nvGrpSpPr>
+        <p:cNvPr id="1" name=""/>
+        <p:cNvGrpSpPr/>
+        <p:nvPr/>
+      </p:nvGrpSpPr>
+      <p:grpSpPr>
+        <a:xfrm>
+          <a:off x="0" y="0"/>
+          <a:ext cx="0" cy="0"/>
+          <a:chOff x="0" y="0"/>
+          <a:chExt cx="0" cy="0"/>
+        </a:xfrm>
+      </p:grpSpPr>
+      <p:sp>
+        <p:nvSpPr>
+          <p:cNvPr id="2" name="タイトル 1"/>
+          <p:cNvSpPr>
+            <a:spLocks noGrp="1"/>
+          </p:cNvSpPr>
+          <p:nvPr>
+            <p:ph type="title"/>
+          </p:nvPr>
+        </p:nvSpPr>
+        <p:spPr/>
+        <p:txBody>
+          <a:bodyPr/>
+          <a:lstStyle/>
+          <a:p>
+            <a:r>
+              <a:rPr kumimoji="1" lang="ja-JP" altLang="en-US" dirty="0" smtClean="0"/>
+              <a:t>おまけ</a:t>
+            </a:r>
+            <a:r>
+              <a:rPr lang="ja-JP" altLang="en-US" dirty="0" smtClean="0"/>
+              <a:t>：</a:t>
+            </a:r>
+            <a:r>
+              <a:rPr lang="en-US" altLang="ja-JP" dirty="0" smtClean="0"/>
+              <a:t> </a:t>
+            </a:r>
+            <a:r>
+              <a:rPr lang="en-US" altLang="ja-JP" dirty="0" err="1" smtClean="0"/>
+              <a:t>layers.txt</a:t>
+            </a:r>
+            <a:r>
+              <a:rPr lang="en-US" altLang="ja-JP" dirty="0" smtClean="0"/>
+              <a:t> </a:t>
+            </a:r>
+            <a:r>
+              <a:rPr lang="ja-JP" altLang="en-US" dirty="0" smtClean="0"/>
+              <a:t>の編集ツール</a:t>
+            </a:r>
+            <a:endParaRPr kumimoji="1" lang="ja-JP" altLang="en-US" dirty="0"/>
+          </a:p>
+        </p:txBody>
+      </p:sp>
+      <p:sp>
+        <p:nvSpPr>
+          <p:cNvPr id="3" name="コンテンツ プレースホルダー 2"/>
+          <p:cNvSpPr>
+            <a:spLocks noGrp="1"/>
+          </p:cNvSpPr>
+          <p:nvPr>
+            <p:ph idx="1"/>
+          </p:nvPr>
+        </p:nvSpPr>
+        <p:spPr>
+          <a:xfrm>
+            <a:off x="0" y="548680"/>
+            <a:ext cx="9144000" cy="964704"/>
+          </a:xfrm>
+        </p:spPr>
+        <p:txBody>
+          <a:bodyPr/>
+          <a:lstStyle/>
+          <a:p>
+            <a:r>
+              <a:rPr lang="en-US" altLang="ja-JP" sz="2000" dirty="0">
+                <a:hlinkClick r:id="rId2"/>
+              </a:rPr>
+              <a:t>http://maps.gsi.go.jp/config/</a:t>
+            </a:r>
+            <a:r>
+              <a:rPr lang="en-US" altLang="ja-JP" sz="2000" dirty="0" smtClean="0">
+                <a:hlinkClick r:id="rId2"/>
+              </a:rPr>
+              <a:t>config.html</a:t>
+            </a:r>
+            <a:endParaRPr lang="en-US" altLang="ja-JP" sz="2000" dirty="0" smtClean="0"/>
+          </a:p>
+          <a:p>
+            <a:r>
+              <a:rPr lang="en-US" altLang="ja-JP" sz="2000" dirty="0">
+                <a:hlinkClick r:id="rId3"/>
+              </a:rPr>
+              <a:t>https://github.com/gsi-cyberjapan/gsimaps/blob/gh-pages/config/</a:t>
+            </a:r>
+            <a:r>
+              <a:rPr lang="en-US" altLang="ja-JP" sz="2000" dirty="0" smtClean="0">
+                <a:hlinkClick r:id="rId3"/>
+              </a:rPr>
+              <a:t>config.html</a:t>
+            </a:r>
+            <a:endParaRPr lang="en-US" altLang="ja-JP" sz="2000" dirty="0" smtClean="0"/>
+          </a:p>
+        </p:txBody>
+      </p:sp>
+      <p:sp>
+        <p:nvSpPr>
+          <p:cNvPr id="4" name="スライド番号プレースホルダー 3"/>
+          <p:cNvSpPr>
+            <a:spLocks noGrp="1"/>
+          </p:cNvSpPr>
+          <p:nvPr>
+            <p:ph type="sldNum" sz="quarter" idx="12"/>
+          </p:nvPr>
+        </p:nvSpPr>
+        <p:spPr/>
+        <p:txBody>
+          <a:bodyPr/>
+          <a:lstStyle/>
+          <a:p>
+            <a:pPr>
+              <a:defRPr/>
+            </a:pPr>
+            <a:fld id="{7BDE7F79-B788-EF47-92C0-E4468BC66B4F}" type="slidenum">
+              <a:rPr lang="en-US" altLang="ja-JP" smtClean="0"/>
+              <a:pPr>
+                <a:defRPr/>
+              </a:pPr>
+              <a:t>13</a:t>
+            </a:fld>
+            <a:endParaRPr lang="en-US" altLang="ja-JP"/>
+          </a:p>
+        </p:txBody>
+      </p:sp>
+      <p:pic>
+        <p:nvPicPr>
+          <p:cNvPr id="5" name="図 4"/>
+          <p:cNvPicPr>
+            <a:picLocks noChangeAspect="1"/>
+          </p:cNvPicPr>
+          <p:nvPr/>
+        </p:nvPicPr>
+        <p:blipFill>
+          <a:blip r:embed="rId4"/>
+          <a:stretch>
+            <a:fillRect/>
+          </a:stretch>
+        </p:blipFill>
+        <p:spPr>
+          <a:xfrm>
+            <a:off x="432048" y="1334931"/>
+            <a:ext cx="8244408" cy="5536152"/>
+          </a:xfrm>
+          <a:prstGeom prst="rect">
+            <a:avLst/>
+          </a:prstGeom>
+          <a:ln>
+            <a:solidFill>
+              <a:schemeClr val="tx1"/>
+            </a:solidFill>
+          </a:ln>
+        </p:spPr>
+      </p:pic>
+    </p:spTree>
+    <p:extLst>
+      <p:ext uri="{BB962C8B-B14F-4D97-AF65-F5344CB8AC3E}">
+        <p14:creationId xmlns:p14="http://schemas.microsoft.com/office/powerpoint/2010/main" val="2699061887"/>
+      </p:ext>
+    </p:extLst>
+  </p:cSld>
+  <p:clrMapOvr>
+    <a:masterClrMapping/>
+  </p:clrMapOvr>
+  <p:timing>
+    <p:tnLst>
+      <p:par>
+        <p:cTn xmlns:p14="http://schemas.microsoft.com/office/powerpoint/2010/main" id="1" dur="indefinite" restart="never" nodeType="tmRoot"/>
+      </p:par>
+    </p:tnLst>
+  </p:timing>
 </p:sld>
 </file>
 
@@ -8257,31 +8872,133 @@
               <a:buNone/>
             </a:pPr>
             <a:r>
-              <a:rPr lang="ja-JP" altLang="en-US" sz="2000" dirty="0" smtClean="0"/>
+              <a:rPr lang="ja-JP" altLang="en-US" sz="2000" dirty="0" smtClean="0">
+                <a:solidFill>
+                  <a:srgbClr val="FF0000"/>
+                </a:solidFill>
+              </a:rPr>
               <a:t>ひとひねり：</a:t>
             </a:r>
             <a:r>
-              <a:rPr lang="en-US" altLang="ja-JP" sz="2000" dirty="0" smtClean="0"/>
+              <a:rPr lang="en-US" altLang="ja-JP" sz="2000" dirty="0" smtClean="0">
+                <a:solidFill>
+                  <a:srgbClr val="FF0000"/>
+                </a:solidFill>
+              </a:rPr>
               <a:t> </a:t>
             </a:r>
             <a:r>
-              <a:rPr lang="ja-JP" altLang="en-US" sz="2000" dirty="0" smtClean="0"/>
+              <a:rPr lang="ja-JP" altLang="en-US" sz="2000" dirty="0" smtClean="0">
+                <a:solidFill>
+                  <a:srgbClr val="FF0000"/>
+                </a:solidFill>
+              </a:rPr>
               <a:t>編集ページへのリンクを標準地図レイヤの</a:t>
             </a:r>
             <a:r>
-              <a:rPr lang="en-US" altLang="ja-JP" sz="2000" dirty="0" smtClean="0"/>
+              <a:rPr lang="en-US" altLang="ja-JP" sz="2000" dirty="0" smtClean="0">
+                <a:solidFill>
+                  <a:srgbClr val="FF0000"/>
+                </a:solidFill>
+              </a:rPr>
               <a:t> html </a:t>
             </a:r>
             <a:r>
-              <a:rPr lang="ja-JP" altLang="en-US" sz="2000" dirty="0" smtClean="0"/>
+              <a:rPr lang="ja-JP" altLang="en-US" sz="2000" dirty="0" smtClean="0">
+                <a:solidFill>
+                  <a:srgbClr val="FF0000"/>
+                </a:solidFill>
+              </a:rPr>
               <a:t>属性に加えてみる</a:t>
             </a:r>
-            <a:endParaRPr lang="en-US" altLang="ja-JP" sz="2000" dirty="0" smtClean="0"/>
+            <a:endParaRPr lang="en-US" altLang="ja-JP" sz="2000" dirty="0" smtClean="0">
+              <a:solidFill>
+                <a:srgbClr val="FF0000"/>
+              </a:solidFill>
+            </a:endParaRPr>
           </a:p>
           <a:p>
             <a:pPr marL="0" indent="0">
               <a:buNone/>
             </a:pPr>
+            <a:endParaRPr lang="en-US" altLang="ja-JP" sz="2000" dirty="0"/>
+          </a:p>
+          <a:p>
+            <a:pPr marL="0" indent="0">
+              <a:buNone/>
+            </a:pPr>
+            <a:endParaRPr lang="en-US" altLang="ja-JP" sz="2000" dirty="0" smtClean="0"/>
+          </a:p>
+          <a:p>
+            <a:pPr marL="0" indent="0">
+              <a:buNone/>
+            </a:pPr>
+            <a:endParaRPr lang="en-US" altLang="ja-JP" sz="2000" dirty="0"/>
+          </a:p>
+          <a:p>
+            <a:pPr marL="0" indent="0">
+              <a:buNone/>
+            </a:pPr>
+            <a:endParaRPr lang="en-US" altLang="ja-JP" sz="2000" dirty="0" smtClean="0"/>
+          </a:p>
+          <a:p>
+            <a:pPr marL="0" indent="0">
+              <a:buNone/>
+            </a:pPr>
+            <a:endParaRPr lang="en-US" altLang="ja-JP" sz="2000" dirty="0"/>
+          </a:p>
+          <a:p>
+            <a:pPr marL="0" indent="0">
+              <a:buNone/>
+            </a:pPr>
+            <a:endParaRPr lang="en-US" altLang="ja-JP" sz="2000" dirty="0" smtClean="0"/>
+          </a:p>
+          <a:p>
+            <a:pPr marL="0" indent="0">
+              <a:buNone/>
+            </a:pPr>
+            <a:endParaRPr lang="en-US" altLang="ja-JP" sz="2000" dirty="0"/>
+          </a:p>
+          <a:p>
+            <a:pPr marL="0" indent="0">
+              <a:buNone/>
+            </a:pPr>
+            <a:endParaRPr lang="en-US" altLang="ja-JP" sz="2000" dirty="0" smtClean="0"/>
+          </a:p>
+          <a:p>
+            <a:pPr marL="0" indent="0">
+              <a:buNone/>
+            </a:pPr>
+            <a:endParaRPr lang="en-US" altLang="ja-JP" sz="2000" dirty="0"/>
+          </a:p>
+          <a:p>
+            <a:pPr marL="0" indent="0">
+              <a:buNone/>
+            </a:pPr>
+            <a:endParaRPr lang="en-US" altLang="ja-JP" sz="2000" dirty="0" smtClean="0"/>
+          </a:p>
+          <a:p>
+            <a:pPr marL="0" indent="0">
+              <a:buNone/>
+            </a:pPr>
+            <a:endParaRPr lang="en-US" altLang="ja-JP" sz="2000" dirty="0"/>
+          </a:p>
+          <a:p>
+            <a:pPr marL="0" indent="0">
+              <a:buNone/>
+            </a:pPr>
+            <a:endParaRPr lang="en-US" altLang="ja-JP" sz="2000" dirty="0" smtClean="0"/>
+          </a:p>
+          <a:p>
+            <a:pPr marL="0" indent="0">
+              <a:buNone/>
+            </a:pPr>
+            <a:endParaRPr lang="en-US" altLang="ja-JP" sz="2000" dirty="0" smtClean="0"/>
+          </a:p>
+          <a:p>
+            <a:pPr marL="0" indent="0">
+              <a:buNone/>
+            </a:pPr>
             <a:r>
               <a:rPr lang="ja-JP" altLang="ja-JP" sz="2000" dirty="0"/>
               <a:t>　</a:t>
@@ -8332,7 +9049,7 @@
                   <a:srgbClr val="7F7F7F"/>
                 </a:solidFill>
               </a:rPr>
-              <a:t>属性に</a:t>
+              <a:t>属性には</a:t>
             </a:r>
             <a:r>
               <a:rPr lang="en-US" altLang="ja-JP" sz="2000" dirty="0" smtClean="0">
@@ -8364,23 +9081,15 @@
                   <a:srgbClr val="7F7F7F"/>
                 </a:solidFill>
               </a:rPr>
-              <a:t>が対応していないため、</a:t>
-            </a:r>
-            <a:r>
-              <a:rPr lang="en-US" altLang="ja-JP" sz="2000" dirty="0" smtClean="0">
+              <a:t>が対応していない</a:t>
+            </a:r>
+            <a:r>
+              <a:rPr lang="en-US" altLang="en-US" sz="2000" dirty="0" smtClean="0">
                 <a:solidFill>
                   <a:srgbClr val="7F7F7F"/>
                 </a:solidFill>
               </a:rPr>
-              <a:t>Layer</a:t>
-            </a:r>
-            <a:r>
-              <a:rPr lang="ja-JP" altLang="en-US" sz="2000" dirty="0" smtClean="0">
-                <a:solidFill>
-                  <a:srgbClr val="7F7F7F"/>
-                </a:solidFill>
-              </a:rPr>
-              <a:t>につける</a:t>
+              <a:t>。</a:t>
             </a:r>
             <a:endParaRPr lang="en-US" altLang="ja-JP" sz="2000" dirty="0" smtClean="0">
               <a:solidFill>
@@ -8443,7 +9152,7 @@
         </p:blipFill>
         <p:spPr>
           <a:xfrm>
-            <a:off x="1691680" y="2214199"/>
+            <a:off x="1691680" y="1700808"/>
             <a:ext cx="5976664" cy="4643801"/>
           </a:xfrm>
           <a:prstGeom prst="rect">

--- a/151009ベクトルタイル利用サイトを作ろうPt.3.pptx
+++ b/151009ベクトルタイル利用サイトを作ろうPt.3.pptx
@@ -5773,8 +5773,8 @@
         </p:nvSpPr>
         <p:spPr>
           <a:xfrm>
-            <a:off x="0" y="6063679"/>
-            <a:ext cx="9144000" cy="461665"/>
+            <a:off x="-26469" y="6457890"/>
+            <a:ext cx="9144000" cy="400110"/>
           </a:xfrm>
           <a:prstGeom prst="rect">
             <a:avLst/>
@@ -5787,29 +5787,29 @@
           </a:bodyPr>
           <a:lstStyle/>
           <a:p>
-            <a:pPr algn="ctr"/>
-            <a:r>
-              <a:rPr lang="en-US" altLang="ja-JP" sz="2400" dirty="0" err="1">
+            <a:pPr algn="r"/>
+            <a:r>
+              <a:rPr lang="en-US" altLang="ja-JP" sz="2000" dirty="0" smtClean="0">
                 <a:solidFill>
                   <a:schemeClr val="bg1">
                     <a:lumMod val="50000"/>
                   </a:schemeClr>
                 </a:solidFill>
               </a:rPr>
-              <a:t>g</a:t>
-            </a:r>
-            <a:r>
-              <a:rPr lang="en-US" altLang="ja-JP" sz="2400" dirty="0" err="1" smtClean="0">
+              <a:t>…</a:t>
+            </a:r>
+            <a:r>
+              <a:rPr lang="en-US" altLang="ja-JP" sz="2000" dirty="0" err="1" smtClean="0">
                 <a:solidFill>
                   <a:schemeClr val="bg1">
                     <a:lumMod val="50000"/>
                   </a:schemeClr>
                 </a:solidFill>
               </a:rPr>
-              <a:t>simaps.js</a:t>
-            </a:r>
-            <a:r>
-              <a:rPr lang="en-US" altLang="ja-JP" sz="2400" dirty="0" smtClean="0">
+              <a:t>gsimaps.js</a:t>
+            </a:r>
+            <a:r>
+              <a:rPr lang="en-US" altLang="ja-JP" sz="2000" dirty="0" smtClean="0">
                 <a:solidFill>
                   <a:schemeClr val="bg1">
                     <a:lumMod val="50000"/>
@@ -5819,16 +5819,56 @@
               <a:t> </a:t>
             </a:r>
             <a:r>
-              <a:rPr lang="ja-JP" altLang="en-US" sz="2400" dirty="0" smtClean="0">
+              <a:rPr lang="ja-JP" altLang="en-US" sz="2000" dirty="0" smtClean="0">
                 <a:solidFill>
                   <a:schemeClr val="bg1">
                     <a:lumMod val="50000"/>
                   </a:schemeClr>
                 </a:solidFill>
               </a:rPr>
-              <a:t>への加筆で皆さんのマイレイヤを一元化することもできる</a:t>
-            </a:r>
-            <a:endParaRPr kumimoji="1" lang="ja-JP" altLang="en-US" sz="2400" dirty="0">
+              <a:t>にたくさん</a:t>
+            </a:r>
+            <a:r>
+              <a:rPr lang="ja-JP" altLang="en-US" sz="2000" dirty="0" smtClean="0">
+                <a:solidFill>
+                  <a:schemeClr val="bg1">
+                    <a:lumMod val="50000"/>
+                  </a:schemeClr>
+                </a:solidFill>
+              </a:rPr>
+              <a:t>加筆</a:t>
+            </a:r>
+            <a:r>
+              <a:rPr lang="ja-JP" altLang="en-US" sz="2000" dirty="0" smtClean="0">
+                <a:solidFill>
+                  <a:schemeClr val="bg1">
+                    <a:lumMod val="50000"/>
+                  </a:schemeClr>
+                </a:solidFill>
+              </a:rPr>
+              <a:t>すること</a:t>
+            </a:r>
+            <a:r>
+              <a:rPr lang="ja-JP" altLang="en-US" sz="2000" dirty="0" smtClean="0">
+                <a:solidFill>
+                  <a:schemeClr val="bg1">
+                    <a:lumMod val="50000"/>
+                  </a:schemeClr>
+                </a:solidFill>
+              </a:rPr>
+              <a:t>で</a:t>
+            </a:r>
+            <a:r>
+              <a:rPr lang="ja-JP" altLang="en-US" sz="2000" dirty="0" smtClean="0">
+                <a:solidFill>
+                  <a:schemeClr val="bg1">
+                    <a:lumMod val="50000"/>
+                  </a:schemeClr>
+                </a:solidFill>
+              </a:rPr>
+              <a:t>皆さんのマイレイヤを一元化することもできる</a:t>
+            </a:r>
+            <a:endParaRPr kumimoji="1" lang="ja-JP" altLang="en-US" sz="2000" dirty="0">
               <a:solidFill>
                 <a:schemeClr val="bg1">
                   <a:lumMod val="50000"/>
@@ -6919,7 +6959,7 @@
         <p:spPr>
           <a:xfrm>
             <a:off x="107504" y="548680"/>
-            <a:ext cx="8229600" cy="576063"/>
+            <a:ext cx="9036496" cy="576063"/>
           </a:xfrm>
         </p:spPr>
         <p:txBody>
@@ -6951,7 +6991,19 @@
             </a:r>
             <a:r>
               <a:rPr lang="en-US" altLang="en-US" sz="2000" dirty="0" smtClean="0"/>
-              <a:t>で設定する layers*.txt </a:t>
+              <a:t>で</a:t>
+            </a:r>
+            <a:r>
+              <a:rPr lang="ja-JP" altLang="en-US" sz="2000" dirty="0" smtClean="0"/>
+              <a:t>読み込み</a:t>
+            </a:r>
+            <a:r>
+              <a:rPr lang="en-US" altLang="en-US" sz="2000" dirty="0" smtClean="0"/>
+              <a:t>設定</a:t>
+            </a:r>
+            <a:r>
+              <a:rPr lang="en-US" altLang="en-US" sz="2000" dirty="0" smtClean="0"/>
+              <a:t>する layers*.txt </a:t>
             </a:r>
             <a:r>
               <a:rPr lang="ja-JP" altLang="en-US" sz="2000" dirty="0" smtClean="0"/>
@@ -7206,6 +7258,98 @@
           </a:prstGeom>
         </p:spPr>
       </p:pic>
+      <p:sp>
+        <p:nvSpPr>
+          <p:cNvPr id="10" name="正方形/長方形 9"/>
+          <p:cNvSpPr/>
+          <p:nvPr/>
+        </p:nvSpPr>
+        <p:spPr>
+          <a:xfrm>
+            <a:off x="0" y="4653136"/>
+            <a:ext cx="5220072" cy="2204864"/>
+          </a:xfrm>
+          <a:prstGeom prst="rect">
+            <a:avLst/>
+          </a:prstGeom>
+          <a:noFill/>
+          <a:ln>
+            <a:solidFill>
+              <a:schemeClr val="tx1"/>
+            </a:solidFill>
+          </a:ln>
+          <a:effectLst/>
+        </p:spPr>
+        <p:style>
+          <a:lnRef idx="1">
+            <a:schemeClr val="accent1"/>
+          </a:lnRef>
+          <a:fillRef idx="3">
+            <a:schemeClr val="accent1"/>
+          </a:fillRef>
+          <a:effectRef idx="2">
+            <a:schemeClr val="accent1"/>
+          </a:effectRef>
+          <a:fontRef idx="minor">
+            <a:schemeClr val="lt1"/>
+          </a:fontRef>
+        </p:style>
+        <p:txBody>
+          <a:bodyPr rtlCol="0" anchor="ctr"/>
+          <a:lstStyle/>
+          <a:p>
+            <a:pPr algn="ctr"/>
+            <a:endParaRPr kumimoji="1" lang="ja-JP" altLang="en-US"/>
+          </a:p>
+        </p:txBody>
+      </p:sp>
+      <p:sp>
+        <p:nvSpPr>
+          <p:cNvPr id="11" name="下矢印 10"/>
+          <p:cNvSpPr/>
+          <p:nvPr/>
+        </p:nvSpPr>
+        <p:spPr>
+          <a:xfrm>
+            <a:off x="4716016" y="6309320"/>
+            <a:ext cx="360040" cy="548680"/>
+          </a:xfrm>
+          <a:prstGeom prst="downArrow">
+            <a:avLst/>
+          </a:prstGeom>
+          <a:solidFill>
+            <a:schemeClr val="bg1"/>
+          </a:solidFill>
+          <a:ln>
+            <a:solidFill>
+              <a:schemeClr val="tx1"/>
+            </a:solidFill>
+          </a:ln>
+          <a:effectLst/>
+        </p:spPr>
+        <p:style>
+          <a:lnRef idx="1">
+            <a:schemeClr val="accent1"/>
+          </a:lnRef>
+          <a:fillRef idx="3">
+            <a:schemeClr val="accent1"/>
+          </a:fillRef>
+          <a:effectRef idx="2">
+            <a:schemeClr val="accent1"/>
+          </a:effectRef>
+          <a:fontRef idx="minor">
+            <a:schemeClr val="lt1"/>
+          </a:fontRef>
+        </p:style>
+        <p:txBody>
+          <a:bodyPr rtlCol="0" anchor="ctr"/>
+          <a:lstStyle/>
+          <a:p>
+            <a:pPr algn="ctr"/>
+            <a:endParaRPr kumimoji="1" lang="ja-JP" altLang="en-US"/>
+          </a:p>
+        </p:txBody>
+      </p:sp>
     </p:spTree>
     <p:extLst>
       <p:ext uri="{BB962C8B-B14F-4D97-AF65-F5344CB8AC3E}">
@@ -7890,6 +8034,11 @@
           <a:prstGeom prst="rect">
             <a:avLst/>
           </a:prstGeom>
+          <a:ln>
+            <a:solidFill>
+              <a:schemeClr val="tx1"/>
+            </a:solidFill>
+          </a:ln>
         </p:spPr>
       </p:pic>
       <p:sp>
@@ -7937,6 +8086,51 @@
           </a:p>
         </p:txBody>
       </p:sp>
+      <p:sp>
+        <p:nvSpPr>
+          <p:cNvPr id="9" name="円/楕円 8"/>
+          <p:cNvSpPr/>
+          <p:nvPr/>
+        </p:nvSpPr>
+        <p:spPr>
+          <a:xfrm>
+            <a:off x="5076056" y="980728"/>
+            <a:ext cx="576064" cy="576064"/>
+          </a:xfrm>
+          <a:prstGeom prst="ellipse">
+            <a:avLst/>
+          </a:prstGeom>
+          <a:noFill/>
+          <a:ln>
+            <a:solidFill>
+              <a:srgbClr val="FF0000"/>
+            </a:solidFill>
+          </a:ln>
+          <a:effectLst/>
+        </p:spPr>
+        <p:style>
+          <a:lnRef idx="1">
+            <a:schemeClr val="accent1"/>
+          </a:lnRef>
+          <a:fillRef idx="3">
+            <a:schemeClr val="accent1"/>
+          </a:fillRef>
+          <a:effectRef idx="2">
+            <a:schemeClr val="accent1"/>
+          </a:effectRef>
+          <a:fontRef idx="minor">
+            <a:schemeClr val="lt1"/>
+          </a:fontRef>
+        </p:style>
+        <p:txBody>
+          <a:bodyPr rtlCol="0" anchor="ctr"/>
+          <a:lstStyle/>
+          <a:p>
+            <a:pPr algn="ctr"/>
+            <a:endParaRPr kumimoji="1" lang="ja-JP" altLang="en-US"/>
+          </a:p>
+        </p:txBody>
+      </p:sp>
     </p:spTree>
     <p:extLst>
       <p:ext uri="{BB962C8B-B14F-4D97-AF65-F5344CB8AC3E}">
@@ -7947,6 +8141,13 @@
   <p:clrMapOvr>
     <a:masterClrMapping/>
   </p:clrMapOvr>
+  <p:timing>
+    <p:tnLst>
+      <p:par>
+        <p:cTn xmlns:p14="http://schemas.microsoft.com/office/powerpoint/2010/main" id="1" dur="indefinite" restart="never" nodeType="tmRoot"/>
+      </p:par>
+    </p:tnLst>
+  </p:timing>
 </p:sld>
 </file>
 
@@ -8153,6 +8354,11 @@
           <a:prstGeom prst="rect">
             <a:avLst/>
           </a:prstGeom>
+          <a:ln>
+            <a:solidFill>
+              <a:schemeClr val="tx1"/>
+            </a:solidFill>
+          </a:ln>
         </p:spPr>
       </p:pic>
       <p:sp>
@@ -8390,6 +8596,13 @@
   <p:clrMapOvr>
     <a:masterClrMapping/>
   </p:clrMapOvr>
+  <p:timing>
+    <p:tnLst>
+      <p:par>
+        <p:cTn xmlns:p14="http://schemas.microsoft.com/office/powerpoint/2010/main" id="1" dur="indefinite" restart="never" nodeType="tmRoot"/>
+      </p:par>
+    </p:tnLst>
+  </p:timing>
 </p:sld>
 </file>
 
@@ -8484,6 +8697,11 @@
           <a:prstGeom prst="rect">
             <a:avLst/>
           </a:prstGeom>
+          <a:ln>
+            <a:solidFill>
+              <a:schemeClr val="tx1"/>
+            </a:solidFill>
+          </a:ln>
         </p:spPr>
       </p:pic>
       <p:sp>
@@ -8847,23 +9065,53 @@
               <a:buNone/>
             </a:pPr>
             <a:r>
-              <a:rPr lang="en-US" altLang="ja-JP" sz="2000" dirty="0" smtClean="0"/>
+              <a:rPr lang="en-US" altLang="ja-JP" sz="2000" dirty="0" smtClean="0">
+                <a:solidFill>
+                  <a:schemeClr val="bg1">
+                    <a:lumMod val="50000"/>
+                  </a:schemeClr>
+                </a:solidFill>
+              </a:rPr>
               <a:t>See Also: https://</a:t>
             </a:r>
             <a:r>
-              <a:rPr lang="en-US" altLang="ja-JP" sz="2000" dirty="0" err="1" smtClean="0"/>
+              <a:rPr lang="en-US" altLang="ja-JP" sz="2000" dirty="0" err="1" smtClean="0">
+                <a:solidFill>
+                  <a:schemeClr val="bg1">
+                    <a:lumMod val="50000"/>
+                  </a:schemeClr>
+                </a:solidFill>
+              </a:rPr>
               <a:t>github.com</a:t>
             </a:r>
             <a:r>
-              <a:rPr lang="en-US" altLang="ja-JP" sz="2000" dirty="0" smtClean="0"/>
+              <a:rPr lang="en-US" altLang="ja-JP" sz="2000" dirty="0" smtClean="0">
+                <a:solidFill>
+                  <a:schemeClr val="bg1">
+                    <a:lumMod val="50000"/>
+                  </a:schemeClr>
+                </a:solidFill>
+              </a:rPr>
               <a:t>/</a:t>
             </a:r>
             <a:r>
-              <a:rPr lang="en-US" altLang="ja-JP" sz="2000" dirty="0" err="1" smtClean="0"/>
+              <a:rPr lang="en-US" altLang="ja-JP" sz="2000" dirty="0" err="1" smtClean="0">
+                <a:solidFill>
+                  <a:schemeClr val="bg1">
+                    <a:lumMod val="50000"/>
+                  </a:schemeClr>
+                </a:solidFill>
+              </a:rPr>
               <a:t>gsi-cyberjapan</a:t>
             </a:r>
             <a:r>
-              <a:rPr lang="en-US" altLang="ja-JP" sz="2000" dirty="0" smtClean="0"/>
+              <a:rPr lang="en-US" altLang="ja-JP" sz="2000" dirty="0" smtClean="0">
+                <a:solidFill>
+                  <a:schemeClr val="bg1">
+                    <a:lumMod val="50000"/>
+                  </a:schemeClr>
+                </a:solidFill>
+              </a:rPr>
               <a:t>/layers-dot-txt-spec/</a:t>
             </a:r>
           </a:p>
@@ -8888,12 +9136,20 @@
               <a:t> </a:t>
             </a:r>
             <a:r>
+              <a:rPr lang="ja-JP" altLang="en-US" sz="2000" u="sng" dirty="0" smtClean="0">
+                <a:solidFill>
+                  <a:srgbClr val="FF0000"/>
+                </a:solidFill>
+              </a:rPr>
+              <a:t>編集ページへのリンク</a:t>
+            </a:r>
+            <a:r>
               <a:rPr lang="ja-JP" altLang="en-US" sz="2000" dirty="0" smtClean="0">
                 <a:solidFill>
                   <a:srgbClr val="FF0000"/>
                 </a:solidFill>
               </a:rPr>
-              <a:t>編集ページへのリンクを標準地図レイヤの</a:t>
+              <a:t>を標準地図レイヤの</a:t>
             </a:r>
             <a:r>
               <a:rPr lang="en-US" altLang="ja-JP" sz="2000" dirty="0" smtClean="0">
@@ -9160,6 +9416,51 @@
           </a:prstGeom>
         </p:spPr>
       </p:pic>
+      <p:sp>
+        <p:nvSpPr>
+          <p:cNvPr id="6" name="正方形/長方形 5"/>
+          <p:cNvSpPr/>
+          <p:nvPr/>
+        </p:nvSpPr>
+        <p:spPr>
+          <a:xfrm>
+            <a:off x="179512" y="1268760"/>
+            <a:ext cx="8712968" cy="5184576"/>
+          </a:xfrm>
+          <a:prstGeom prst="rect">
+            <a:avLst/>
+          </a:prstGeom>
+          <a:noFill/>
+          <a:ln>
+            <a:solidFill>
+              <a:schemeClr val="tx1"/>
+            </a:solidFill>
+          </a:ln>
+          <a:effectLst/>
+        </p:spPr>
+        <p:style>
+          <a:lnRef idx="1">
+            <a:schemeClr val="accent1"/>
+          </a:lnRef>
+          <a:fillRef idx="3">
+            <a:schemeClr val="accent1"/>
+          </a:fillRef>
+          <a:effectRef idx="2">
+            <a:schemeClr val="accent1"/>
+          </a:effectRef>
+          <a:fontRef idx="minor">
+            <a:schemeClr val="lt1"/>
+          </a:fontRef>
+        </p:style>
+        <p:txBody>
+          <a:bodyPr rtlCol="0" anchor="ctr"/>
+          <a:lstStyle/>
+          <a:p>
+            <a:pPr algn="ctr"/>
+            <a:endParaRPr kumimoji="1" lang="ja-JP" altLang="en-US"/>
+          </a:p>
+        </p:txBody>
+      </p:sp>
     </p:spTree>
     <p:extLst>
       <p:ext uri="{BB962C8B-B14F-4D97-AF65-F5344CB8AC3E}">
